--- a/Slides_Machine Learning Model to Predict the Presence of Heart Disease_RAD Dinushika Gunasekera.pptx
+++ b/Slides_Machine Learning Model to Predict the Presence of Heart Disease_RAD Dinushika Gunasekera.pptx
@@ -113,6 +113,11 @@
       </a:defRPr>
     </a:lvl9pPr>
   </p:defaultTextStyle>
+  <p:extLst>
+    <p:ext uri="{EFAFB233-063F-42B5-8137-9DF3F51BA10A}">
+      <p15:sldGuideLst xmlns:p15="http://schemas.microsoft.com/office/powerpoint/2012/main"/>
+    </p:ext>
+  </p:extLst>
 </p:presentation>
 </file>
 
@@ -129,7 +134,7 @@
   <pc:docChgLst>
     <pc:chgData name="Dinushika Gunasekera" userId="d0b4ae47-c289-4189-8a0c-da10005c3448" providerId="ADAL" clId="{AB981A2E-F50F-4503-89A7-9A6526199A2C}"/>
     <pc:docChg chg="custSel addSld delSld modSld">
-      <pc:chgData name="Dinushika Gunasekera" userId="d0b4ae47-c289-4189-8a0c-da10005c3448" providerId="ADAL" clId="{AB981A2E-F50F-4503-89A7-9A6526199A2C}" dt="2022-04-30T15:46:52.640" v="555" actId="2710"/>
+      <pc:chgData name="Dinushika Gunasekera" userId="d0b4ae47-c289-4189-8a0c-da10005c3448" providerId="ADAL" clId="{AB981A2E-F50F-4503-89A7-9A6526199A2C}" dt="2022-05-03T05:45:57.246" v="563" actId="20577"/>
       <pc:docMkLst>
         <pc:docMk/>
       </pc:docMkLst>
@@ -147,6 +152,21 @@
             <ac:graphicFrameMk id="4" creationId="{C4509361-0474-4687-83E3-37410F459B91}"/>
           </ac:graphicFrameMkLst>
         </pc:graphicFrameChg>
+      </pc:sldChg>
+      <pc:sldChg chg="modSp mod">
+        <pc:chgData name="Dinushika Gunasekera" userId="d0b4ae47-c289-4189-8a0c-da10005c3448" providerId="ADAL" clId="{AB981A2E-F50F-4503-89A7-9A6526199A2C}" dt="2022-05-03T05:45:57.246" v="563" actId="20577"/>
+        <pc:sldMkLst>
+          <pc:docMk/>
+          <pc:sldMk cId="3467790421" sldId="263"/>
+        </pc:sldMkLst>
+        <pc:spChg chg="mod">
+          <ac:chgData name="Dinushika Gunasekera" userId="d0b4ae47-c289-4189-8a0c-da10005c3448" providerId="ADAL" clId="{AB981A2E-F50F-4503-89A7-9A6526199A2C}" dt="2022-05-03T05:45:57.246" v="563" actId="20577"/>
+          <ac:spMkLst>
+            <pc:docMk/>
+            <pc:sldMk cId="3467790421" sldId="263"/>
+            <ac:spMk id="5" creationId="{EA43A8DB-8AC9-470C-8272-E786D5DE11D7}"/>
+          </ac:spMkLst>
+        </pc:spChg>
       </pc:sldChg>
       <pc:sldChg chg="addSp modSp mod">
         <pc:chgData name="Dinushika Gunasekera" userId="d0b4ae47-c289-4189-8a0c-da10005c3448" providerId="ADAL" clId="{AB981A2E-F50F-4503-89A7-9A6526199A2C}" dt="2022-04-30T15:35:28.589" v="210" actId="1076"/>
@@ -715,7 +735,7 @@
             <a:fld id="{5923F103-BC34-4FE4-A40E-EDDEECFDA5D0}" type="datetimeFigureOut">
               <a:rPr lang="en-US" dirty="0"/>
               <a:pPr/>
-              <a:t>30-Apr-22</a:t>
+              <a:t>03-May-22</a:t>
             </a:fld>
             <a:endParaRPr lang="en-US" dirty="0"/>
           </a:p>
@@ -1799,7 +1819,7 @@
           <a:p>
             <a:fld id="{923A1CC3-2375-41D4-9E03-427CAF2A4C1A}" type="datetimeFigureOut">
               <a:rPr lang="en-US" dirty="0"/>
-              <a:t>30-Apr-22</a:t>
+              <a:t>03-May-22</a:t>
             </a:fld>
             <a:endParaRPr lang="en-US" dirty="0"/>
           </a:p>
@@ -2775,7 +2795,7 @@
           <a:p>
             <a:fld id="{AFF16868-8199-4C2C-A5B1-63AEE139F88E}" type="datetimeFigureOut">
               <a:rPr lang="en-US" dirty="0"/>
-              <a:t>30-Apr-22</a:t>
+              <a:t>03-May-22</a:t>
             </a:fld>
             <a:endParaRPr lang="en-US" dirty="0"/>
           </a:p>
@@ -3905,7 +3925,7 @@
           <a:p>
             <a:fld id="{AAD9FF7F-6988-44CC-821B-644E70CD2F73}" type="datetimeFigureOut">
               <a:rPr lang="en-US" dirty="0"/>
-              <a:t>30-Apr-22</a:t>
+              <a:t>03-May-22</a:t>
             </a:fld>
             <a:endParaRPr lang="en-US" dirty="0"/>
           </a:p>
@@ -4934,7 +4954,7 @@
           <a:p>
             <a:fld id="{5C12C299-16B2-4475-990D-751901EACC14}" type="datetimeFigureOut">
               <a:rPr lang="en-US" dirty="0"/>
-              <a:t>30-Apr-22</a:t>
+              <a:t>03-May-22</a:t>
             </a:fld>
             <a:endParaRPr lang="en-US" dirty="0"/>
           </a:p>
@@ -5590,7 +5610,7 @@
           <a:p>
             <a:fld id="{9FE86839-B9D8-4651-8783-F325ECE74E65}" type="datetimeFigureOut">
               <a:rPr lang="en-US" dirty="0"/>
-              <a:t>30-Apr-22</a:t>
+              <a:t>03-May-22</a:t>
             </a:fld>
             <a:endParaRPr lang="en-US" dirty="0"/>
           </a:p>
@@ -6447,7 +6467,7 @@
           <a:p>
             <a:fld id="{FD484F64-32F6-45C5-931F-ADC1662401D0}" type="datetimeFigureOut">
               <a:rPr lang="en-US" dirty="0"/>
-              <a:t>30-Apr-22</a:t>
+              <a:t>03-May-22</a:t>
             </a:fld>
             <a:endParaRPr lang="en-US" dirty="0"/>
           </a:p>
@@ -6633,7 +6653,7 @@
           <a:p>
             <a:fld id="{53086D93-FCAC-47E0-A2EE-787E62CA814C}" type="datetimeFigureOut">
               <a:rPr lang="en-US" dirty="0"/>
-              <a:t>30-Apr-22</a:t>
+              <a:t>03-May-22</a:t>
             </a:fld>
             <a:endParaRPr lang="en-US" dirty="0"/>
           </a:p>
@@ -7601,7 +7621,7 @@
           <a:p>
             <a:fld id="{CDA879A6-0FD0-4734-A311-86BFCA472E6E}" type="datetimeFigureOut">
               <a:rPr lang="en-US" dirty="0"/>
-              <a:t>30-Apr-22</a:t>
+              <a:t>03-May-22</a:t>
             </a:fld>
             <a:endParaRPr lang="en-US" dirty="0"/>
           </a:p>
@@ -7808,7 +7828,7 @@
           <a:p>
             <a:fld id="{19C9CA7B-DFD4-44B5-8C60-D14B8CD1FB59}" type="datetimeFigureOut">
               <a:rPr lang="en-US" dirty="0"/>
-              <a:t>30-Apr-22</a:t>
+              <a:t>03-May-22</a:t>
             </a:fld>
             <a:endParaRPr lang="en-US" dirty="0"/>
           </a:p>
@@ -8838,7 +8858,7 @@
           <a:p>
             <a:fld id="{F34E6425-0181-43F2-84FC-787E803FD2F8}" type="datetimeFigureOut">
               <a:rPr lang="en-US" dirty="0"/>
-              <a:t>30-Apr-22</a:t>
+              <a:t>03-May-22</a:t>
             </a:fld>
             <a:endParaRPr lang="en-US" dirty="0"/>
           </a:p>
@@ -9106,7 +9126,7 @@
           <a:p>
             <a:fld id="{3BDB8791-F1B0-41E7-B7FD-A781E65C4266}" type="datetimeFigureOut">
               <a:rPr lang="en-US" dirty="0"/>
-              <a:t>30-Apr-22</a:t>
+              <a:t>03-May-22</a:t>
             </a:fld>
             <a:endParaRPr lang="en-US" dirty="0"/>
           </a:p>
@@ -9512,7 +9532,7 @@
           <a:p>
             <a:fld id="{5FDD63B2-E120-4ED8-B27B-C685F510A5FE}" type="datetimeFigureOut">
               <a:rPr lang="en-US" dirty="0"/>
-              <a:t>30-Apr-22</a:t>
+              <a:t>03-May-22</a:t>
             </a:fld>
             <a:endParaRPr lang="en-US" dirty="0"/>
           </a:p>
@@ -9635,7 +9655,7 @@
           <a:p>
             <a:fld id="{7AA18ACC-A947-437B-A130-35BD54FDF1E9}" type="datetimeFigureOut">
               <a:rPr lang="en-US" dirty="0"/>
-              <a:t>30-Apr-22</a:t>
+              <a:t>03-May-22</a:t>
             </a:fld>
             <a:endParaRPr lang="en-US" dirty="0"/>
           </a:p>
@@ -9726,7 +9746,7 @@
           <a:p>
             <a:fld id="{7C8D7E02-BCB8-4D50-A234-369438C08659}" type="datetimeFigureOut">
               <a:rPr lang="en-US" dirty="0"/>
-              <a:t>30-Apr-22</a:t>
+              <a:t>03-May-22</a:t>
             </a:fld>
             <a:endParaRPr lang="en-US" dirty="0"/>
           </a:p>
@@ -10803,7 +10823,7 @@
           <a:p>
             <a:fld id="{76E86A4C-8E40-4F87-A4F0-01A0687C5742}" type="datetimeFigureOut">
               <a:rPr lang="en-US" dirty="0"/>
-              <a:t>30-Apr-22</a:t>
+              <a:t>03-May-22</a:t>
             </a:fld>
             <a:endParaRPr lang="en-US" dirty="0"/>
           </a:p>
@@ -11907,7 +11927,7 @@
           <a:p>
             <a:fld id="{35E72C73-2D91-4E12-BA25-F0AA0C03599B}" type="datetimeFigureOut">
               <a:rPr lang="en-US" dirty="0"/>
-              <a:t>30-Apr-22</a:t>
+              <a:t>03-May-22</a:t>
             </a:fld>
             <a:endParaRPr lang="en-US" dirty="0"/>
           </a:p>
@@ -12900,7 +12920,7 @@
           <a:p>
             <a:fld id="{2BE451C3-0FF4-47C4-B829-773ADF60F88C}" type="datetimeFigureOut">
               <a:rPr lang="en-US" dirty="0"/>
-              <a:t>30-Apr-22</a:t>
+              <a:t>03-May-22</a:t>
             </a:fld>
             <a:endParaRPr lang="en-US" dirty="0"/>
           </a:p>
@@ -16049,7 +16069,7 @@
           <a:p>
             <a:r>
               <a:rPr lang="en-US" b="1" dirty="0"/>
-              <a:t>Figure shows the Boxplots after removing the </a:t>
+              <a:t>Figure shows the Boxplots after removing the outliers</a:t>
             </a:r>
             <a:endParaRPr lang="en-US" sz="1400" b="1" dirty="0"/>
           </a:p>
